--- a/semaine3/CO12AL-W3-VIDEO02-SLIDE01.pptx
+++ b/semaine3/CO12AL-W3-VIDEO02-SLIDE01.pptx
@@ -17,7 +17,7 @@
     <p:sldId id="263" r:id="rId5"/>
     <p:sldId id="257" r:id="rId6"/>
   </p:sldIdLst>
-  <p:sldSz cx="9144000" cy="6858000" type="screen4x3"/>
+  <p:sldSz cx="12192000" cy="6858000"/>
   <p:notesSz cx="7099300" cy="10234613"/>
   <p:defaultTextStyle>
     <a:defPPr>
@@ -160,12 +160,12 @@
     </p:ext>
     <p:ext uri="{EFAFB233-063F-42B5-8137-9DF3F51BA10A}">
       <p15:sldGuideLst xmlns:p15="http://schemas.microsoft.com/office/powerpoint/2012/main">
-        <p15:guide id="1" orient="horz" pos="2160">
+        <p15:guide id="1" orient="horz" pos="2160" userDrawn="1">
           <p15:clr>
             <a:srgbClr val="A4A3A4"/>
           </p15:clr>
         </p15:guide>
-        <p15:guide id="2" pos="2880">
+        <p15:guide id="2" pos="3840" userDrawn="1">
           <p15:clr>
             <a:srgbClr val="A4A3A4"/>
           </p15:clr>
@@ -568,8 +568,8 @@
         </p:nvSpPr>
         <p:spPr bwMode="auto">
           <a:xfrm>
-            <a:off x="992188" y="768350"/>
-            <a:ext cx="5116512" cy="3836988"/>
+            <a:off x="141288" y="768350"/>
+            <a:ext cx="6818312" cy="3836988"/>
           </a:xfrm>
           <a:prstGeom prst="rect">
             <a:avLst/>
@@ -936,7 +936,12 @@
             <p:ph type="sldImg"/>
           </p:nvPr>
         </p:nvSpPr>
-        <p:spPr/>
+        <p:spPr>
+          <a:xfrm>
+            <a:off x="141288" y="768350"/>
+            <a:ext cx="6818312" cy="3836988"/>
+          </a:xfrm>
+        </p:spPr>
       </p:sp>
       <p:sp>
         <p:nvSpPr>
@@ -1051,7 +1056,12 @@
             <p:ph type="sldImg"/>
           </p:nvPr>
         </p:nvSpPr>
-        <p:spPr/>
+        <p:spPr>
+          <a:xfrm>
+            <a:off x="141288" y="768350"/>
+            <a:ext cx="6818312" cy="3836988"/>
+          </a:xfrm>
+        </p:spPr>
       </p:sp>
       <p:sp>
         <p:nvSpPr>
@@ -1169,7 +1179,12 @@
             <p:ph type="sldImg"/>
           </p:nvPr>
         </p:nvSpPr>
-        <p:spPr/>
+        <p:spPr>
+          <a:xfrm>
+            <a:off x="141288" y="768350"/>
+            <a:ext cx="6818312" cy="3836988"/>
+          </a:xfrm>
+        </p:spPr>
       </p:sp>
       <p:sp>
         <p:nvSpPr>
@@ -1287,7 +1302,12 @@
             <p:ph type="sldImg"/>
           </p:nvPr>
         </p:nvSpPr>
-        <p:spPr/>
+        <p:spPr>
+          <a:xfrm>
+            <a:off x="141288" y="768350"/>
+            <a:ext cx="6818312" cy="3836988"/>
+          </a:xfrm>
+        </p:spPr>
       </p:sp>
       <p:sp>
         <p:nvSpPr>
@@ -1400,7 +1420,12 @@
             <p:ph type="sldImg"/>
           </p:nvPr>
         </p:nvSpPr>
-        <p:spPr/>
+        <p:spPr>
+          <a:xfrm>
+            <a:off x="141288" y="768350"/>
+            <a:ext cx="6818312" cy="3836988"/>
+          </a:xfrm>
+        </p:spPr>
       </p:sp>
       <p:sp>
         <p:nvSpPr>
@@ -1515,8 +1540,8 @@
         </p:nvSpPr>
         <p:spPr>
           <a:xfrm>
-            <a:off x="685800" y="1219200"/>
-            <a:ext cx="7772400" cy="1470025"/>
+            <a:off x="914400" y="1219201"/>
+            <a:ext cx="10363200" cy="1470025"/>
           </a:xfrm>
         </p:spPr>
         <p:txBody>
@@ -1546,8 +1571,8 @@
         </p:nvSpPr>
         <p:spPr>
           <a:xfrm>
-            <a:off x="1295400" y="3048000"/>
-            <a:ext cx="6400800" cy="1752600"/>
+            <a:off x="1727200" y="3048000"/>
+            <a:ext cx="8534400" cy="1752600"/>
           </a:xfrm>
         </p:spPr>
         <p:txBody>
@@ -1579,8 +1604,8 @@
         </p:nvSpPr>
         <p:spPr>
           <a:xfrm>
-            <a:off x="457200" y="6248400"/>
-            <a:ext cx="2895600" cy="476250"/>
+            <a:off x="609600" y="6248400"/>
+            <a:ext cx="3860800" cy="476250"/>
           </a:xfrm>
         </p:spPr>
         <p:txBody>
@@ -1618,8 +1643,8 @@
         </p:nvSpPr>
         <p:spPr>
           <a:xfrm>
-            <a:off x="6553200" y="6245225"/>
-            <a:ext cx="2133600" cy="476250"/>
+            <a:off x="8737600" y="6245225"/>
+            <a:ext cx="2844800" cy="476250"/>
           </a:xfrm>
         </p:spPr>
         <p:txBody>
@@ -1862,8 +1887,8 @@
         </p:nvSpPr>
         <p:spPr>
           <a:xfrm>
-            <a:off x="6629400" y="274638"/>
-            <a:ext cx="2057400" cy="5851525"/>
+            <a:off x="8839200" y="274639"/>
+            <a:ext cx="2743200" cy="5851525"/>
           </a:xfrm>
         </p:spPr>
         <p:txBody>
@@ -1890,8 +1915,8 @@
         </p:nvSpPr>
         <p:spPr>
           <a:xfrm>
-            <a:off x="457200" y="274638"/>
-            <a:ext cx="6019800" cy="5851525"/>
+            <a:off x="609600" y="274639"/>
+            <a:ext cx="8026400" cy="5851525"/>
           </a:xfrm>
         </p:spPr>
         <p:txBody>
@@ -2044,8 +2069,8 @@
         </p:nvSpPr>
         <p:spPr>
           <a:xfrm>
-            <a:off x="457200" y="274638"/>
-            <a:ext cx="8229600" cy="1143000"/>
+            <a:off x="609600" y="274638"/>
+            <a:ext cx="10972800" cy="1143000"/>
           </a:xfrm>
         </p:spPr>
         <p:txBody>
@@ -2072,8 +2097,8 @@
         </p:nvSpPr>
         <p:spPr>
           <a:xfrm>
-            <a:off x="457200" y="1600200"/>
-            <a:ext cx="4038600" cy="4525963"/>
+            <a:off x="609600" y="1600201"/>
+            <a:ext cx="5384800" cy="4525963"/>
           </a:xfrm>
         </p:spPr>
         <p:txBody>
@@ -2129,8 +2154,8 @@
         </p:nvSpPr>
         <p:spPr>
           <a:xfrm>
-            <a:off x="4648200" y="1600200"/>
-            <a:ext cx="4038600" cy="4525963"/>
+            <a:off x="6197600" y="1600201"/>
+            <a:ext cx="5384800" cy="4525963"/>
           </a:xfrm>
         </p:spPr>
         <p:txBody>
@@ -2462,8 +2487,8 @@
         </p:nvSpPr>
         <p:spPr>
           <a:xfrm>
-            <a:off x="722313" y="4406900"/>
-            <a:ext cx="7772400" cy="1362075"/>
+            <a:off x="963084" y="4406901"/>
+            <a:ext cx="10363200" cy="1362075"/>
           </a:xfrm>
         </p:spPr>
         <p:txBody>
@@ -2494,8 +2519,8 @@
         </p:nvSpPr>
         <p:spPr>
           <a:xfrm>
-            <a:off x="722313" y="2906713"/>
-            <a:ext cx="7772400" cy="1500187"/>
+            <a:off x="963084" y="2906713"/>
+            <a:ext cx="10363200" cy="1500187"/>
           </a:xfrm>
         </p:spPr>
         <p:txBody>
@@ -2686,8 +2711,8 @@
         </p:nvSpPr>
         <p:spPr>
           <a:xfrm>
-            <a:off x="457200" y="1600200"/>
-            <a:ext cx="4038600" cy="4525963"/>
+            <a:off x="609600" y="1600201"/>
+            <a:ext cx="5384800" cy="4525963"/>
           </a:xfrm>
         </p:spPr>
         <p:txBody>
@@ -2771,8 +2796,8 @@
         </p:nvSpPr>
         <p:spPr>
           <a:xfrm>
-            <a:off x="4648200" y="1600200"/>
-            <a:ext cx="4038600" cy="4525963"/>
+            <a:off x="6197600" y="1600201"/>
+            <a:ext cx="5384800" cy="4525963"/>
           </a:xfrm>
         </p:spPr>
         <p:txBody>
@@ -2987,8 +3012,8 @@
         </p:nvSpPr>
         <p:spPr>
           <a:xfrm>
-            <a:off x="457200" y="1535113"/>
-            <a:ext cx="4040188" cy="639762"/>
+            <a:off x="609600" y="1535113"/>
+            <a:ext cx="5386917" cy="639762"/>
           </a:xfrm>
         </p:spPr>
         <p:txBody>
@@ -3052,8 +3077,8 @@
         </p:nvSpPr>
         <p:spPr>
           <a:xfrm>
-            <a:off x="457200" y="2174875"/>
-            <a:ext cx="4040188" cy="3951288"/>
+            <a:off x="609600" y="2174875"/>
+            <a:ext cx="5386917" cy="3951288"/>
           </a:xfrm>
         </p:spPr>
         <p:txBody>
@@ -3137,8 +3162,8 @@
         </p:nvSpPr>
         <p:spPr>
           <a:xfrm>
-            <a:off x="4645025" y="1535113"/>
-            <a:ext cx="4041775" cy="639762"/>
+            <a:off x="6193368" y="1535113"/>
+            <a:ext cx="5389033" cy="639762"/>
           </a:xfrm>
         </p:spPr>
         <p:txBody>
@@ -3202,8 +3227,8 @@
         </p:nvSpPr>
         <p:spPr>
           <a:xfrm>
-            <a:off x="4645025" y="2174875"/>
-            <a:ext cx="4041775" cy="3951288"/>
+            <a:off x="6193368" y="2174875"/>
+            <a:ext cx="5389033" cy="3951288"/>
           </a:xfrm>
         </p:spPr>
         <p:txBody>
@@ -3622,8 +3647,8 @@
         </p:nvSpPr>
         <p:spPr>
           <a:xfrm>
-            <a:off x="457200" y="273050"/>
-            <a:ext cx="3008313" cy="1162050"/>
+            <a:off x="609601" y="273050"/>
+            <a:ext cx="4011084" cy="1162050"/>
           </a:xfrm>
         </p:spPr>
         <p:txBody>
@@ -3654,8 +3679,8 @@
         </p:nvSpPr>
         <p:spPr>
           <a:xfrm>
-            <a:off x="3575050" y="273050"/>
-            <a:ext cx="5111750" cy="5853113"/>
+            <a:off x="4766733" y="273051"/>
+            <a:ext cx="6815667" cy="5853113"/>
           </a:xfrm>
         </p:spPr>
         <p:txBody>
@@ -3739,8 +3764,8 @@
         </p:nvSpPr>
         <p:spPr>
           <a:xfrm>
-            <a:off x="457200" y="1435100"/>
-            <a:ext cx="3008313" cy="4691063"/>
+            <a:off x="609601" y="1435101"/>
+            <a:ext cx="4011084" cy="4691063"/>
           </a:xfrm>
         </p:spPr>
         <p:txBody>
@@ -3901,8 +3926,8 @@
         </p:nvSpPr>
         <p:spPr>
           <a:xfrm>
-            <a:off x="1792288" y="4800600"/>
-            <a:ext cx="5486400" cy="566738"/>
+            <a:off x="2389717" y="4800600"/>
+            <a:ext cx="7315200" cy="566738"/>
           </a:xfrm>
         </p:spPr>
         <p:txBody>
@@ -3933,8 +3958,8 @@
         </p:nvSpPr>
         <p:spPr>
           <a:xfrm>
-            <a:off x="1792288" y="612775"/>
-            <a:ext cx="5486400" cy="4114800"/>
+            <a:off x="2389717" y="612775"/>
+            <a:ext cx="7315200" cy="4114800"/>
           </a:xfrm>
         </p:spPr>
         <p:txBody>
@@ -3995,8 +4020,8 @@
         </p:nvSpPr>
         <p:spPr>
           <a:xfrm>
-            <a:off x="1792288" y="5367338"/>
-            <a:ext cx="5486400" cy="804862"/>
+            <a:off x="2389717" y="5367338"/>
+            <a:ext cx="7315200" cy="804862"/>
           </a:xfrm>
         </p:spPr>
         <p:txBody>
@@ -4165,8 +4190,8 @@
         </p:nvSpPr>
         <p:spPr bwMode="auto">
           <a:xfrm>
-            <a:off x="457200" y="274638"/>
-            <a:ext cx="8229600" cy="1143000"/>
+            <a:off x="609600" y="274638"/>
+            <a:ext cx="10972800" cy="1143000"/>
           </a:xfrm>
           <a:prstGeom prst="rect">
             <a:avLst/>
@@ -4223,8 +4248,8 @@
         </p:nvSpPr>
         <p:spPr bwMode="auto">
           <a:xfrm>
-            <a:off x="457200" y="1600200"/>
-            <a:ext cx="8229600" cy="4525963"/>
+            <a:off x="609600" y="1600201"/>
+            <a:ext cx="10972800" cy="4525963"/>
           </a:xfrm>
           <a:prstGeom prst="rect">
             <a:avLst/>
@@ -4309,8 +4334,8 @@
         </p:nvSpPr>
         <p:spPr bwMode="auto">
           <a:xfrm>
-            <a:off x="0" y="6521450"/>
-            <a:ext cx="3967163" cy="336550"/>
+            <a:off x="1" y="6521450"/>
+            <a:ext cx="5289551" cy="336550"/>
           </a:xfrm>
           <a:prstGeom prst="rect">
             <a:avLst/>
@@ -4368,8 +4393,8 @@
         </p:nvSpPr>
         <p:spPr bwMode="auto">
           <a:xfrm>
-            <a:off x="7772400" y="6248400"/>
-            <a:ext cx="914400" cy="476250"/>
+            <a:off x="10363200" y="6248400"/>
+            <a:ext cx="1219200" cy="476250"/>
           </a:xfrm>
           <a:prstGeom prst="rect">
             <a:avLst/>
@@ -4847,7 +4872,7 @@
         </p:nvSpPr>
         <p:spPr>
           <a:xfrm>
-            <a:off x="457199" y="814187"/>
+            <a:off x="1066799" y="315423"/>
             <a:ext cx="8229600" cy="5336454"/>
           </a:xfrm>
         </p:spPr>
@@ -4859,20 +4884,20 @@
               <a:buNone/>
             </a:pPr>
             <a:r>
-              <a:rPr lang="en-US" dirty="0">
+              <a:rPr lang="en-US" sz="3600" dirty="0">
                 <a:latin typeface="Courier New" panose="02070309020205020404" pitchFamily="49" charset="0"/>
                 <a:cs typeface="Courier New" panose="02070309020205020404" pitchFamily="49" charset="0"/>
               </a:rPr>
               <a:t>note = </a:t>
             </a:r>
             <a:r>
-              <a:rPr lang="en-US" dirty="0" smtClean="0">
+              <a:rPr lang="en-US" sz="3600" dirty="0" smtClean="0">
                 <a:latin typeface="Courier New" panose="02070309020205020404" pitchFamily="49" charset="0"/>
                 <a:cs typeface="Courier New" panose="02070309020205020404" pitchFamily="49" charset="0"/>
               </a:rPr>
               <a:t>8;</a:t>
             </a:r>
-            <a:endParaRPr lang="en-US" dirty="0">
+            <a:endParaRPr lang="en-US" sz="3600" dirty="0">
               <a:latin typeface="Courier New" panose="02070309020205020404" pitchFamily="49" charset="0"/>
               <a:cs typeface="Courier New" panose="02070309020205020404" pitchFamily="49" charset="0"/>
             </a:endParaRPr>
@@ -4882,14 +4907,14 @@
               <a:buNone/>
             </a:pPr>
             <a:r>
-              <a:rPr lang="en-US" dirty="0">
+              <a:rPr lang="en-US" sz="3600" dirty="0">
                 <a:latin typeface="Courier New" panose="02070309020205020404" pitchFamily="49" charset="0"/>
                 <a:cs typeface="Courier New" panose="02070309020205020404" pitchFamily="49" charset="0"/>
               </a:rPr>
               <a:t>if note &gt; </a:t>
             </a:r>
             <a:r>
-              <a:rPr lang="en-US" dirty="0" smtClean="0">
+              <a:rPr lang="en-US" sz="3600" dirty="0" smtClean="0">
                 <a:latin typeface="Courier New" panose="02070309020205020404" pitchFamily="49" charset="0"/>
                 <a:cs typeface="Courier New" panose="02070309020205020404" pitchFamily="49" charset="0"/>
               </a:rPr>
@@ -4901,20 +4926,20 @@
               <a:buNone/>
             </a:pPr>
             <a:r>
-              <a:rPr lang="en-US" dirty="0">
+              <a:rPr lang="en-US" sz="3600" dirty="0">
                 <a:latin typeface="Courier New" panose="02070309020205020404" pitchFamily="49" charset="0"/>
                 <a:cs typeface="Courier New" panose="02070309020205020404" pitchFamily="49" charset="0"/>
               </a:rPr>
               <a:t> </a:t>
             </a:r>
             <a:r>
-              <a:rPr lang="en-US" dirty="0" smtClean="0">
+              <a:rPr lang="en-US" sz="3600" dirty="0" smtClean="0">
                 <a:latin typeface="Courier New" panose="02070309020205020404" pitchFamily="49" charset="0"/>
                 <a:cs typeface="Courier New" panose="02070309020205020404" pitchFamily="49" charset="0"/>
               </a:rPr>
               <a:t>   {</a:t>
             </a:r>
-            <a:endParaRPr lang="en-US" dirty="0">
+            <a:endParaRPr lang="en-US" sz="3600" dirty="0">
               <a:latin typeface="Courier New" panose="02070309020205020404" pitchFamily="49" charset="0"/>
               <a:cs typeface="Courier New" panose="02070309020205020404" pitchFamily="49" charset="0"/>
             </a:endParaRPr>
@@ -4924,34 +4949,34 @@
               <a:buNone/>
             </a:pPr>
             <a:r>
-              <a:rPr lang="en-US" dirty="0">
+              <a:rPr lang="en-US" sz="3600" dirty="0">
                 <a:latin typeface="Courier New" panose="02070309020205020404" pitchFamily="49" charset="0"/>
                 <a:cs typeface="Courier New" panose="02070309020205020404" pitchFamily="49" charset="0"/>
               </a:rPr>
               <a:t>    print </a:t>
             </a:r>
             <a:r>
-              <a:rPr lang="en-US" dirty="0" smtClean="0">
+              <a:rPr lang="en-US" sz="3600" dirty="0" smtClean="0">
                 <a:latin typeface="Courier New" panose="02070309020205020404" pitchFamily="49" charset="0"/>
                 <a:cs typeface="Courier New" panose="02070309020205020404" pitchFamily="49" charset="0"/>
               </a:rPr>
               <a:t>'</a:t>
             </a:r>
             <a:r>
-              <a:rPr lang="en-US" dirty="0" err="1" smtClean="0">
+              <a:rPr lang="en-US" sz="3600" dirty="0" err="1" smtClean="0">
                 <a:latin typeface="Courier New" panose="02070309020205020404" pitchFamily="49" charset="0"/>
                 <a:cs typeface="Courier New" panose="02070309020205020404" pitchFamily="49" charset="0"/>
               </a:rPr>
               <a:t>reçu</a:t>
             </a:r>
             <a:r>
-              <a:rPr lang="en-US" dirty="0" smtClean="0">
+              <a:rPr lang="en-US" sz="3600" dirty="0" smtClean="0">
                 <a:latin typeface="Courier New" panose="02070309020205020404" pitchFamily="49" charset="0"/>
                 <a:cs typeface="Courier New" panose="02070309020205020404" pitchFamily="49" charset="0"/>
               </a:rPr>
               <a:t>';</a:t>
             </a:r>
-            <a:endParaRPr lang="en-US" dirty="0">
+            <a:endParaRPr lang="en-US" sz="3600" dirty="0">
               <a:latin typeface="Courier New" panose="02070309020205020404" pitchFamily="49" charset="0"/>
               <a:cs typeface="Courier New" panose="02070309020205020404" pitchFamily="49" charset="0"/>
             </a:endParaRPr>
@@ -4961,14 +4986,14 @@
               <a:buNone/>
             </a:pPr>
             <a:r>
-              <a:rPr lang="en-US" dirty="0">
+              <a:rPr lang="en-US" sz="3600" dirty="0">
                 <a:latin typeface="Courier New" panose="02070309020205020404" pitchFamily="49" charset="0"/>
                 <a:cs typeface="Courier New" panose="02070309020205020404" pitchFamily="49" charset="0"/>
               </a:rPr>
               <a:t>    print 'bravo </a:t>
             </a:r>
             <a:r>
-              <a:rPr lang="en-US" dirty="0" smtClean="0">
+              <a:rPr lang="en-US" sz="3600" dirty="0" smtClean="0">
                 <a:latin typeface="Courier New" panose="02070309020205020404" pitchFamily="49" charset="0"/>
                 <a:cs typeface="Courier New" panose="02070309020205020404" pitchFamily="49" charset="0"/>
               </a:rPr>
@@ -4980,20 +5005,20 @@
               <a:buNone/>
             </a:pPr>
             <a:r>
-              <a:rPr lang="en-US" dirty="0">
+              <a:rPr lang="en-US" sz="3600" dirty="0">
                 <a:latin typeface="Courier New" panose="02070309020205020404" pitchFamily="49" charset="0"/>
                 <a:cs typeface="Courier New" panose="02070309020205020404" pitchFamily="49" charset="0"/>
               </a:rPr>
               <a:t> </a:t>
             </a:r>
             <a:r>
-              <a:rPr lang="en-US" dirty="0" smtClean="0">
+              <a:rPr lang="en-US" sz="3600" dirty="0" smtClean="0">
                 <a:latin typeface="Courier New" panose="02070309020205020404" pitchFamily="49" charset="0"/>
                 <a:cs typeface="Courier New" panose="02070309020205020404" pitchFamily="49" charset="0"/>
               </a:rPr>
               <a:t>   }</a:t>
             </a:r>
-            <a:endParaRPr lang="en-US" dirty="0">
+            <a:endParaRPr lang="en-US" sz="3600" dirty="0">
               <a:latin typeface="Courier New" panose="02070309020205020404" pitchFamily="49" charset="0"/>
               <a:cs typeface="Courier New" panose="02070309020205020404" pitchFamily="49" charset="0"/>
             </a:endParaRPr>
@@ -5003,7 +5028,7 @@
               <a:buNone/>
             </a:pPr>
             <a:r>
-              <a:rPr lang="en-US" dirty="0" smtClean="0">
+              <a:rPr lang="en-US" sz="3600" dirty="0" smtClean="0">
                 <a:latin typeface="Courier New" panose="02070309020205020404" pitchFamily="49" charset="0"/>
                 <a:cs typeface="Courier New" panose="02070309020205020404" pitchFamily="49" charset="0"/>
               </a:rPr>
@@ -5015,20 +5040,20 @@
               <a:buNone/>
             </a:pPr>
             <a:r>
-              <a:rPr lang="en-US" dirty="0">
+              <a:rPr lang="en-US" sz="3600" dirty="0">
                 <a:latin typeface="Courier New" panose="02070309020205020404" pitchFamily="49" charset="0"/>
                 <a:cs typeface="Courier New" panose="02070309020205020404" pitchFamily="49" charset="0"/>
               </a:rPr>
               <a:t> </a:t>
             </a:r>
             <a:r>
-              <a:rPr lang="en-US" dirty="0" smtClean="0">
+              <a:rPr lang="en-US" sz="3600" dirty="0" smtClean="0">
                 <a:latin typeface="Courier New" panose="02070309020205020404" pitchFamily="49" charset="0"/>
                 <a:cs typeface="Courier New" panose="02070309020205020404" pitchFamily="49" charset="0"/>
               </a:rPr>
               <a:t>   {</a:t>
             </a:r>
-            <a:endParaRPr lang="en-US" dirty="0">
+            <a:endParaRPr lang="en-US" sz="3600" dirty="0">
               <a:latin typeface="Courier New" panose="02070309020205020404" pitchFamily="49" charset="0"/>
               <a:cs typeface="Courier New" panose="02070309020205020404" pitchFamily="49" charset="0"/>
             </a:endParaRPr>
@@ -5038,28 +5063,28 @@
               <a:buNone/>
             </a:pPr>
             <a:r>
-              <a:rPr lang="en-US" dirty="0">
+              <a:rPr lang="en-US" sz="3600" dirty="0">
                 <a:latin typeface="Courier New" panose="02070309020205020404" pitchFamily="49" charset="0"/>
                 <a:cs typeface="Courier New" panose="02070309020205020404" pitchFamily="49" charset="0"/>
               </a:rPr>
               <a:t>    print </a:t>
             </a:r>
             <a:r>
-              <a:rPr lang="en-US" dirty="0" smtClean="0">
+              <a:rPr lang="en-US" sz="3600" dirty="0" smtClean="0">
                 <a:latin typeface="Courier New" panose="02070309020205020404" pitchFamily="49" charset="0"/>
                 <a:cs typeface="Courier New" panose="02070309020205020404" pitchFamily="49" charset="0"/>
               </a:rPr>
               <a:t>'</a:t>
             </a:r>
             <a:r>
-              <a:rPr lang="en-US" dirty="0" err="1" smtClean="0">
+              <a:rPr lang="en-US" sz="3600" dirty="0" err="1" smtClean="0">
                 <a:latin typeface="Courier New" panose="02070309020205020404" pitchFamily="49" charset="0"/>
                 <a:cs typeface="Courier New" panose="02070309020205020404" pitchFamily="49" charset="0"/>
               </a:rPr>
               <a:t>recalé</a:t>
             </a:r>
             <a:r>
-              <a:rPr lang="en-US" dirty="0" smtClean="0">
+              <a:rPr lang="en-US" sz="3600" dirty="0" smtClean="0">
                 <a:latin typeface="Courier New" panose="02070309020205020404" pitchFamily="49" charset="0"/>
                 <a:cs typeface="Courier New" panose="02070309020205020404" pitchFamily="49" charset="0"/>
               </a:rPr>
@@ -5071,29 +5096,27 @@
               <a:buNone/>
             </a:pPr>
             <a:r>
-              <a:rPr lang="en-US" dirty="0">
+              <a:rPr lang="en-US" sz="3600" dirty="0">
                 <a:latin typeface="Courier New" panose="02070309020205020404" pitchFamily="49" charset="0"/>
                 <a:cs typeface="Courier New" panose="02070309020205020404" pitchFamily="49" charset="0"/>
               </a:rPr>
               <a:t> </a:t>
             </a:r>
             <a:r>
-              <a:rPr lang="en-US" dirty="0" smtClean="0">
+              <a:rPr lang="en-US" sz="3600" dirty="0" smtClean="0">
                 <a:latin typeface="Courier New" panose="02070309020205020404" pitchFamily="49" charset="0"/>
                 <a:cs typeface="Courier New" panose="02070309020205020404" pitchFamily="49" charset="0"/>
               </a:rPr>
-              <a:t>   }</a:t>
-            </a:r>
-            <a:endParaRPr lang="en-US" dirty="0">
-              <a:latin typeface="Courier New" panose="02070309020205020404" pitchFamily="49" charset="0"/>
-              <a:cs typeface="Courier New" panose="02070309020205020404" pitchFamily="49" charset="0"/>
-            </a:endParaRPr>
-          </a:p>
-          <a:p>
-            <a:pPr marL="0" indent="0">
-              <a:buNone/>
-            </a:pPr>
-            <a:endParaRPr lang="fr-FR" dirty="0">
+              <a:t>   </a:t>
+            </a:r>
+            <a:r>
+              <a:rPr lang="en-US" sz="3600" dirty="0" smtClean="0">
+                <a:latin typeface="Courier New" panose="02070309020205020404" pitchFamily="49" charset="0"/>
+                <a:cs typeface="Courier New" panose="02070309020205020404" pitchFamily="49" charset="0"/>
+              </a:rPr>
+              <a:t>}</a:t>
+            </a:r>
+            <a:endParaRPr lang="fr-FR" sz="3600" dirty="0">
               <a:latin typeface="Courier New" panose="02070309020205020404" pitchFamily="49" charset="0"/>
               <a:cs typeface="Courier New" panose="02070309020205020404" pitchFamily="49" charset="0"/>
             </a:endParaRPr>
@@ -5149,7 +5172,7 @@
         </p:nvSpPr>
         <p:spPr>
           <a:xfrm>
-            <a:off x="457199" y="814187"/>
+            <a:off x="1090861" y="308861"/>
             <a:ext cx="8229600" cy="5336454"/>
           </a:xfrm>
         </p:spPr>
@@ -5161,20 +5184,20 @@
               <a:buNone/>
             </a:pPr>
             <a:r>
-              <a:rPr lang="en-US" dirty="0">
+              <a:rPr lang="en-US" sz="3600" dirty="0">
                 <a:latin typeface="Courier New" panose="02070309020205020404" pitchFamily="49" charset="0"/>
                 <a:cs typeface="Courier New" panose="02070309020205020404" pitchFamily="49" charset="0"/>
               </a:rPr>
               <a:t>note = </a:t>
             </a:r>
             <a:r>
-              <a:rPr lang="en-US" dirty="0" smtClean="0">
+              <a:rPr lang="en-US" sz="3600" dirty="0" smtClean="0">
                 <a:latin typeface="Courier New" panose="02070309020205020404" pitchFamily="49" charset="0"/>
                 <a:cs typeface="Courier New" panose="02070309020205020404" pitchFamily="49" charset="0"/>
               </a:rPr>
               <a:t>8;</a:t>
             </a:r>
-            <a:endParaRPr lang="en-US" dirty="0">
+            <a:endParaRPr lang="en-US" sz="3600" dirty="0">
               <a:latin typeface="Courier New" panose="02070309020205020404" pitchFamily="49" charset="0"/>
               <a:cs typeface="Courier New" panose="02070309020205020404" pitchFamily="49" charset="0"/>
             </a:endParaRPr>
@@ -5184,20 +5207,20 @@
               <a:buNone/>
             </a:pPr>
             <a:r>
-              <a:rPr lang="en-US" dirty="0">
+              <a:rPr lang="en-US" sz="3600" dirty="0">
                 <a:latin typeface="Courier New" panose="02070309020205020404" pitchFamily="49" charset="0"/>
                 <a:cs typeface="Courier New" panose="02070309020205020404" pitchFamily="49" charset="0"/>
               </a:rPr>
               <a:t>if note &gt; </a:t>
             </a:r>
             <a:r>
-              <a:rPr lang="en-US" dirty="0" smtClean="0">
+              <a:rPr lang="en-US" sz="3600" dirty="0" smtClean="0">
                 <a:latin typeface="Courier New" panose="02070309020205020404" pitchFamily="49" charset="0"/>
                 <a:cs typeface="Courier New" panose="02070309020205020404" pitchFamily="49" charset="0"/>
               </a:rPr>
               <a:t>10 {</a:t>
             </a:r>
-            <a:endParaRPr lang="en-US" dirty="0">
+            <a:endParaRPr lang="en-US" sz="3600" dirty="0">
               <a:latin typeface="Courier New" panose="02070309020205020404" pitchFamily="49" charset="0"/>
               <a:cs typeface="Courier New" panose="02070309020205020404" pitchFamily="49" charset="0"/>
             </a:endParaRPr>
@@ -5207,34 +5230,34 @@
               <a:buNone/>
             </a:pPr>
             <a:r>
-              <a:rPr lang="en-US" dirty="0">
+              <a:rPr lang="en-US" sz="3600" dirty="0">
                 <a:latin typeface="Courier New" panose="02070309020205020404" pitchFamily="49" charset="0"/>
                 <a:cs typeface="Courier New" panose="02070309020205020404" pitchFamily="49" charset="0"/>
               </a:rPr>
               <a:t>    print </a:t>
             </a:r>
             <a:r>
-              <a:rPr lang="en-US" dirty="0" smtClean="0">
+              <a:rPr lang="en-US" sz="3600" dirty="0" smtClean="0">
                 <a:latin typeface="Courier New" panose="02070309020205020404" pitchFamily="49" charset="0"/>
                 <a:cs typeface="Courier New" panose="02070309020205020404" pitchFamily="49" charset="0"/>
               </a:rPr>
               <a:t>'</a:t>
             </a:r>
             <a:r>
-              <a:rPr lang="en-US" dirty="0" err="1" smtClean="0">
+              <a:rPr lang="en-US" sz="3600" dirty="0" err="1" smtClean="0">
                 <a:latin typeface="Courier New" panose="02070309020205020404" pitchFamily="49" charset="0"/>
                 <a:cs typeface="Courier New" panose="02070309020205020404" pitchFamily="49" charset="0"/>
               </a:rPr>
               <a:t>reçu</a:t>
             </a:r>
             <a:r>
-              <a:rPr lang="en-US" dirty="0" smtClean="0">
+              <a:rPr lang="en-US" sz="3600" dirty="0" smtClean="0">
                 <a:latin typeface="Courier New" panose="02070309020205020404" pitchFamily="49" charset="0"/>
                 <a:cs typeface="Courier New" panose="02070309020205020404" pitchFamily="49" charset="0"/>
               </a:rPr>
               <a:t>';</a:t>
             </a:r>
-            <a:endParaRPr lang="en-US" dirty="0">
+            <a:endParaRPr lang="en-US" sz="3600" dirty="0">
               <a:latin typeface="Courier New" panose="02070309020205020404" pitchFamily="49" charset="0"/>
               <a:cs typeface="Courier New" panose="02070309020205020404" pitchFamily="49" charset="0"/>
             </a:endParaRPr>
@@ -5244,20 +5267,20 @@
               <a:buNone/>
             </a:pPr>
             <a:r>
-              <a:rPr lang="en-US" dirty="0">
+              <a:rPr lang="en-US" sz="3600" dirty="0">
                 <a:latin typeface="Courier New" panose="02070309020205020404" pitchFamily="49" charset="0"/>
                 <a:cs typeface="Courier New" panose="02070309020205020404" pitchFamily="49" charset="0"/>
               </a:rPr>
               <a:t>    print 'bravo </a:t>
             </a:r>
             <a:r>
-              <a:rPr lang="en-US" dirty="0" smtClean="0">
+              <a:rPr lang="en-US" sz="3600" dirty="0" smtClean="0">
                 <a:latin typeface="Courier New" panose="02070309020205020404" pitchFamily="49" charset="0"/>
                 <a:cs typeface="Courier New" panose="02070309020205020404" pitchFamily="49" charset="0"/>
               </a:rPr>
               <a:t>!';}</a:t>
             </a:r>
-            <a:endParaRPr lang="en-US" dirty="0">
+            <a:endParaRPr lang="en-US" sz="3600" dirty="0">
               <a:latin typeface="Courier New" panose="02070309020205020404" pitchFamily="49" charset="0"/>
               <a:cs typeface="Courier New" panose="02070309020205020404" pitchFamily="49" charset="0"/>
             </a:endParaRPr>
@@ -5267,13 +5290,13 @@
               <a:buNone/>
             </a:pPr>
             <a:r>
-              <a:rPr lang="en-US" dirty="0" smtClean="0">
+              <a:rPr lang="en-US" sz="3600" dirty="0" smtClean="0">
                 <a:latin typeface="Courier New" panose="02070309020205020404" pitchFamily="49" charset="0"/>
                 <a:cs typeface="Courier New" panose="02070309020205020404" pitchFamily="49" charset="0"/>
               </a:rPr>
               <a:t>else {</a:t>
             </a:r>
-            <a:endParaRPr lang="en-US" dirty="0">
+            <a:endParaRPr lang="en-US" sz="3600" dirty="0">
               <a:latin typeface="Courier New" panose="02070309020205020404" pitchFamily="49" charset="0"/>
               <a:cs typeface="Courier New" panose="02070309020205020404" pitchFamily="49" charset="0"/>
             </a:endParaRPr>
@@ -5283,34 +5306,34 @@
               <a:buNone/>
             </a:pPr>
             <a:r>
-              <a:rPr lang="en-US" dirty="0">
+              <a:rPr lang="en-US" sz="3600" dirty="0">
                 <a:latin typeface="Courier New" panose="02070309020205020404" pitchFamily="49" charset="0"/>
                 <a:cs typeface="Courier New" panose="02070309020205020404" pitchFamily="49" charset="0"/>
               </a:rPr>
               <a:t>    print </a:t>
             </a:r>
             <a:r>
-              <a:rPr lang="en-US" dirty="0" smtClean="0">
+              <a:rPr lang="en-US" sz="3600" dirty="0" smtClean="0">
                 <a:latin typeface="Courier New" panose="02070309020205020404" pitchFamily="49" charset="0"/>
                 <a:cs typeface="Courier New" panose="02070309020205020404" pitchFamily="49" charset="0"/>
               </a:rPr>
               <a:t>'</a:t>
             </a:r>
             <a:r>
-              <a:rPr lang="en-US" dirty="0" err="1" smtClean="0">
+              <a:rPr lang="en-US" sz="3600" dirty="0" err="1" smtClean="0">
                 <a:latin typeface="Courier New" panose="02070309020205020404" pitchFamily="49" charset="0"/>
                 <a:cs typeface="Courier New" panose="02070309020205020404" pitchFamily="49" charset="0"/>
               </a:rPr>
               <a:t>recalé</a:t>
             </a:r>
             <a:r>
-              <a:rPr lang="en-US" dirty="0" smtClean="0">
+              <a:rPr lang="en-US" sz="3600" dirty="0" smtClean="0">
                 <a:latin typeface="Courier New" panose="02070309020205020404" pitchFamily="49" charset="0"/>
                 <a:cs typeface="Courier New" panose="02070309020205020404" pitchFamily="49" charset="0"/>
               </a:rPr>
               <a:t>';}</a:t>
             </a:r>
-            <a:endParaRPr lang="en-US" dirty="0">
+            <a:endParaRPr lang="en-US" sz="3600" dirty="0">
               <a:latin typeface="Courier New" panose="02070309020205020404" pitchFamily="49" charset="0"/>
               <a:cs typeface="Courier New" panose="02070309020205020404" pitchFamily="49" charset="0"/>
             </a:endParaRPr>
@@ -5319,7 +5342,7 @@
             <a:pPr marL="0" indent="0">
               <a:buNone/>
             </a:pPr>
-            <a:endParaRPr lang="fr-FR" dirty="0">
+            <a:endParaRPr lang="fr-FR" sz="3600" dirty="0">
               <a:latin typeface="Courier New" panose="02070309020205020404" pitchFamily="49" charset="0"/>
               <a:cs typeface="Courier New" panose="02070309020205020404" pitchFamily="49" charset="0"/>
             </a:endParaRPr>
@@ -5375,7 +5398,7 @@
         </p:nvSpPr>
         <p:spPr>
           <a:xfrm>
-            <a:off x="457199" y="814187"/>
+            <a:off x="1079923" y="322358"/>
             <a:ext cx="8229600" cy="5336454"/>
           </a:xfrm>
         </p:spPr>
@@ -5387,20 +5410,20 @@
               <a:buNone/>
             </a:pPr>
             <a:r>
-              <a:rPr lang="en-US" dirty="0">
+              <a:rPr lang="en-US" sz="3600" dirty="0">
                 <a:latin typeface="Courier New" panose="02070309020205020404" pitchFamily="49" charset="0"/>
                 <a:cs typeface="Courier New" panose="02070309020205020404" pitchFamily="49" charset="0"/>
               </a:rPr>
               <a:t>note = </a:t>
             </a:r>
             <a:r>
-              <a:rPr lang="en-US" dirty="0" smtClean="0">
+              <a:rPr lang="en-US" sz="3600" dirty="0" smtClean="0">
                 <a:latin typeface="Courier New" panose="02070309020205020404" pitchFamily="49" charset="0"/>
                 <a:cs typeface="Courier New" panose="02070309020205020404" pitchFamily="49" charset="0"/>
               </a:rPr>
               <a:t>8;</a:t>
             </a:r>
-            <a:endParaRPr lang="en-US" dirty="0">
+            <a:endParaRPr lang="en-US" sz="3600" dirty="0">
               <a:latin typeface="Courier New" panose="02070309020205020404" pitchFamily="49" charset="0"/>
               <a:cs typeface="Courier New" panose="02070309020205020404" pitchFamily="49" charset="0"/>
             </a:endParaRPr>
@@ -5410,20 +5433,20 @@
               <a:buNone/>
             </a:pPr>
             <a:r>
-              <a:rPr lang="en-US" dirty="0">
+              <a:rPr lang="en-US" sz="3600" dirty="0">
                 <a:latin typeface="Courier New" panose="02070309020205020404" pitchFamily="49" charset="0"/>
                 <a:cs typeface="Courier New" panose="02070309020205020404" pitchFamily="49" charset="0"/>
               </a:rPr>
               <a:t>if note &gt; </a:t>
             </a:r>
             <a:r>
-              <a:rPr lang="en-US" dirty="0" smtClean="0">
+              <a:rPr lang="en-US" sz="3600" dirty="0" smtClean="0">
                 <a:latin typeface="Courier New" panose="02070309020205020404" pitchFamily="49" charset="0"/>
                 <a:cs typeface="Courier New" panose="02070309020205020404" pitchFamily="49" charset="0"/>
               </a:rPr>
               <a:t>10 {</a:t>
             </a:r>
-            <a:endParaRPr lang="en-US" dirty="0">
+            <a:endParaRPr lang="en-US" sz="3600" dirty="0">
               <a:latin typeface="Courier New" panose="02070309020205020404" pitchFamily="49" charset="0"/>
               <a:cs typeface="Courier New" panose="02070309020205020404" pitchFamily="49" charset="0"/>
             </a:endParaRPr>
@@ -5433,34 +5456,34 @@
               <a:buNone/>
             </a:pPr>
             <a:r>
-              <a:rPr lang="en-US" dirty="0">
+              <a:rPr lang="en-US" sz="3600" dirty="0">
                 <a:latin typeface="Courier New" panose="02070309020205020404" pitchFamily="49" charset="0"/>
                 <a:cs typeface="Courier New" panose="02070309020205020404" pitchFamily="49" charset="0"/>
               </a:rPr>
               <a:t>    print </a:t>
             </a:r>
             <a:r>
-              <a:rPr lang="en-US" dirty="0" smtClean="0">
+              <a:rPr lang="en-US" sz="3600" dirty="0" smtClean="0">
                 <a:latin typeface="Courier New" panose="02070309020205020404" pitchFamily="49" charset="0"/>
                 <a:cs typeface="Courier New" panose="02070309020205020404" pitchFamily="49" charset="0"/>
               </a:rPr>
               <a:t>'</a:t>
             </a:r>
             <a:r>
-              <a:rPr lang="en-US" dirty="0" err="1" smtClean="0">
+              <a:rPr lang="en-US" sz="3600" dirty="0" err="1" smtClean="0">
                 <a:latin typeface="Courier New" panose="02070309020205020404" pitchFamily="49" charset="0"/>
                 <a:cs typeface="Courier New" panose="02070309020205020404" pitchFamily="49" charset="0"/>
               </a:rPr>
               <a:t>reçu</a:t>
             </a:r>
             <a:r>
-              <a:rPr lang="en-US" dirty="0" smtClean="0">
+              <a:rPr lang="en-US" sz="3600" dirty="0" smtClean="0">
                 <a:latin typeface="Courier New" panose="02070309020205020404" pitchFamily="49" charset="0"/>
                 <a:cs typeface="Courier New" panose="02070309020205020404" pitchFamily="49" charset="0"/>
               </a:rPr>
               <a:t>';</a:t>
             </a:r>
-            <a:endParaRPr lang="en-US" dirty="0">
+            <a:endParaRPr lang="en-US" sz="3600" dirty="0">
               <a:latin typeface="Courier New" panose="02070309020205020404" pitchFamily="49" charset="0"/>
               <a:cs typeface="Courier New" panose="02070309020205020404" pitchFamily="49" charset="0"/>
             </a:endParaRPr>
@@ -5470,20 +5493,20 @@
               <a:buNone/>
             </a:pPr>
             <a:r>
-              <a:rPr lang="en-US" dirty="0">
+              <a:rPr lang="en-US" sz="3600" dirty="0">
                 <a:latin typeface="Courier New" panose="02070309020205020404" pitchFamily="49" charset="0"/>
                 <a:cs typeface="Courier New" panose="02070309020205020404" pitchFamily="49" charset="0"/>
               </a:rPr>
               <a:t>    print 'bravo </a:t>
             </a:r>
             <a:r>
-              <a:rPr lang="en-US" dirty="0" smtClean="0">
+              <a:rPr lang="en-US" sz="3600" dirty="0" smtClean="0">
                 <a:latin typeface="Courier New" panose="02070309020205020404" pitchFamily="49" charset="0"/>
                 <a:cs typeface="Courier New" panose="02070309020205020404" pitchFamily="49" charset="0"/>
               </a:rPr>
               <a:t>!';}</a:t>
             </a:r>
-            <a:endParaRPr lang="en-US" dirty="0">
+            <a:endParaRPr lang="en-US" sz="3600" dirty="0">
               <a:latin typeface="Courier New" panose="02070309020205020404" pitchFamily="49" charset="0"/>
               <a:cs typeface="Courier New" panose="02070309020205020404" pitchFamily="49" charset="0"/>
             </a:endParaRPr>
@@ -5493,13 +5516,13 @@
               <a:buNone/>
             </a:pPr>
             <a:r>
-              <a:rPr lang="en-US" dirty="0" smtClean="0">
+              <a:rPr lang="en-US" sz="3600" dirty="0" smtClean="0">
                 <a:latin typeface="Courier New" panose="02070309020205020404" pitchFamily="49" charset="0"/>
                 <a:cs typeface="Courier New" panose="02070309020205020404" pitchFamily="49" charset="0"/>
               </a:rPr>
               <a:t>else {</a:t>
             </a:r>
-            <a:endParaRPr lang="en-US" dirty="0">
+            <a:endParaRPr lang="en-US" sz="3600" dirty="0">
               <a:latin typeface="Courier New" panose="02070309020205020404" pitchFamily="49" charset="0"/>
               <a:cs typeface="Courier New" panose="02070309020205020404" pitchFamily="49" charset="0"/>
             </a:endParaRPr>
@@ -5509,34 +5532,34 @@
               <a:buNone/>
             </a:pPr>
             <a:r>
-              <a:rPr lang="en-US" dirty="0">
+              <a:rPr lang="en-US" sz="3600" dirty="0">
                 <a:latin typeface="Courier New" panose="02070309020205020404" pitchFamily="49" charset="0"/>
                 <a:cs typeface="Courier New" panose="02070309020205020404" pitchFamily="49" charset="0"/>
               </a:rPr>
               <a:t>    print </a:t>
             </a:r>
             <a:r>
-              <a:rPr lang="en-US" dirty="0" smtClean="0">
+              <a:rPr lang="en-US" sz="3600" dirty="0" smtClean="0">
                 <a:latin typeface="Courier New" panose="02070309020205020404" pitchFamily="49" charset="0"/>
                 <a:cs typeface="Courier New" panose="02070309020205020404" pitchFamily="49" charset="0"/>
               </a:rPr>
               <a:t>'</a:t>
             </a:r>
             <a:r>
-              <a:rPr lang="en-US" dirty="0" err="1" smtClean="0">
+              <a:rPr lang="en-US" sz="3600" dirty="0" err="1" smtClean="0">
                 <a:latin typeface="Courier New" panose="02070309020205020404" pitchFamily="49" charset="0"/>
                 <a:cs typeface="Courier New" panose="02070309020205020404" pitchFamily="49" charset="0"/>
               </a:rPr>
               <a:t>recalé</a:t>
             </a:r>
             <a:r>
-              <a:rPr lang="en-US" dirty="0" smtClean="0">
+              <a:rPr lang="en-US" sz="3600" dirty="0" smtClean="0">
                 <a:latin typeface="Courier New" panose="02070309020205020404" pitchFamily="49" charset="0"/>
                 <a:cs typeface="Courier New" panose="02070309020205020404" pitchFamily="49" charset="0"/>
               </a:rPr>
               <a:t>';}</a:t>
             </a:r>
-            <a:endParaRPr lang="en-US" dirty="0">
+            <a:endParaRPr lang="en-US" sz="3600" dirty="0">
               <a:latin typeface="Courier New" panose="02070309020205020404" pitchFamily="49" charset="0"/>
               <a:cs typeface="Courier New" panose="02070309020205020404" pitchFamily="49" charset="0"/>
             </a:endParaRPr>
@@ -5545,7 +5568,7 @@
             <a:pPr marL="0" indent="0">
               <a:buNone/>
             </a:pPr>
-            <a:endParaRPr lang="fr-FR" dirty="0">
+            <a:endParaRPr lang="fr-FR" sz="3600" dirty="0">
               <a:latin typeface="Courier New" panose="02070309020205020404" pitchFamily="49" charset="0"/>
               <a:cs typeface="Courier New" panose="02070309020205020404" pitchFamily="49" charset="0"/>
             </a:endParaRPr>
@@ -5560,7 +5583,7 @@
         </p:nvSpPr>
         <p:spPr>
           <a:xfrm>
-            <a:off x="2382982" y="751959"/>
+            <a:off x="3265297" y="322358"/>
             <a:ext cx="581891" cy="707886"/>
           </a:xfrm>
           <a:prstGeom prst="rect">
@@ -5575,7 +5598,7 @@
           <a:lstStyle/>
           <a:p>
             <a:r>
-              <a:rPr lang="fr-FR" sz="4000" dirty="0" smtClean="0">
+              <a:rPr lang="fr-FR" sz="4000" dirty="0">
                 <a:solidFill>
                   <a:srgbClr val="FF0000"/>
                 </a:solidFill>
@@ -5600,7 +5623,7 @@
         </p:nvSpPr>
         <p:spPr>
           <a:xfrm>
-            <a:off x="4322617" y="1943450"/>
+            <a:off x="5474728" y="1617815"/>
             <a:ext cx="581891" cy="707886"/>
           </a:xfrm>
           <a:prstGeom prst="rect">
@@ -5615,7 +5638,7 @@
           <a:lstStyle/>
           <a:p>
             <a:r>
-              <a:rPr lang="fr-FR" sz="4000" dirty="0" smtClean="0">
+              <a:rPr lang="fr-FR" sz="4000" dirty="0">
                 <a:solidFill>
                   <a:srgbClr val="FF0000"/>
                 </a:solidFill>
@@ -5640,7 +5663,7 @@
         </p:nvSpPr>
         <p:spPr>
           <a:xfrm>
-            <a:off x="5070764" y="2505095"/>
+            <a:off x="6303819" y="2282699"/>
             <a:ext cx="581891" cy="707886"/>
           </a:xfrm>
           <a:prstGeom prst="rect">
@@ -5655,7 +5678,7 @@
           <a:lstStyle/>
           <a:p>
             <a:r>
-              <a:rPr lang="fr-FR" sz="4000" dirty="0" smtClean="0">
+              <a:rPr lang="fr-FR" sz="4000" dirty="0">
                 <a:solidFill>
                   <a:srgbClr val="FF0000"/>
                 </a:solidFill>
@@ -5680,7 +5703,7 @@
         </p:nvSpPr>
         <p:spPr>
           <a:xfrm>
-            <a:off x="4800600" y="3693102"/>
+            <a:off x="6012873" y="3578156"/>
             <a:ext cx="581891" cy="707886"/>
           </a:xfrm>
           <a:prstGeom prst="rect">
@@ -5695,7 +5718,7 @@
           <a:lstStyle/>
           <a:p>
             <a:r>
-              <a:rPr lang="fr-FR" sz="4000" dirty="0" smtClean="0">
+              <a:rPr lang="fr-FR" sz="4000" dirty="0">
                 <a:solidFill>
                   <a:srgbClr val="FF0000"/>
                 </a:solidFill>
@@ -5720,7 +5743,7 @@
         </p:nvSpPr>
         <p:spPr>
           <a:xfrm>
-            <a:off x="3574470" y="1359632"/>
+            <a:off x="4660958" y="933992"/>
             <a:ext cx="581891" cy="707886"/>
           </a:xfrm>
           <a:prstGeom prst="rect">
@@ -5735,7 +5758,7 @@
           <a:lstStyle/>
           <a:p>
             <a:r>
-              <a:rPr lang="fr-FR" sz="4000" dirty="0" smtClean="0">
+              <a:rPr lang="fr-FR" sz="4000" dirty="0">
                 <a:solidFill>
                   <a:srgbClr val="FF0000"/>
                 </a:solidFill>
@@ -5760,7 +5783,7 @@
         </p:nvSpPr>
         <p:spPr>
           <a:xfrm>
-            <a:off x="5361709" y="2520728"/>
+            <a:off x="6551019" y="2287597"/>
             <a:ext cx="581891" cy="707886"/>
           </a:xfrm>
           <a:prstGeom prst="rect">
@@ -5775,7 +5798,7 @@
           <a:lstStyle/>
           <a:p>
             <a:r>
-              <a:rPr lang="fr-FR" sz="4000" dirty="0" smtClean="0">
+              <a:rPr lang="fr-FR" sz="4000" dirty="0">
                 <a:solidFill>
                   <a:srgbClr val="FF0000"/>
                 </a:solidFill>
@@ -5800,7 +5823,7 @@
         </p:nvSpPr>
         <p:spPr>
           <a:xfrm>
-            <a:off x="1620981" y="3086837"/>
+            <a:off x="2495277" y="2943843"/>
             <a:ext cx="581891" cy="707886"/>
           </a:xfrm>
           <a:prstGeom prst="rect">
@@ -5815,7 +5838,7 @@
           <a:lstStyle/>
           <a:p>
             <a:r>
-              <a:rPr lang="fr-FR" sz="4000" dirty="0" smtClean="0">
+              <a:rPr lang="fr-FR" sz="4000" dirty="0">
                 <a:solidFill>
                   <a:srgbClr val="FF0000"/>
                 </a:solidFill>
@@ -5840,7 +5863,7 @@
         </p:nvSpPr>
         <p:spPr>
           <a:xfrm>
-            <a:off x="5070764" y="3693102"/>
+            <a:off x="6260073" y="3583054"/>
             <a:ext cx="581891" cy="707886"/>
           </a:xfrm>
           <a:prstGeom prst="rect">
@@ -5855,7 +5878,7 @@
           <a:lstStyle/>
           <a:p>
             <a:r>
-              <a:rPr lang="fr-FR" sz="4000" dirty="0" smtClean="0">
+              <a:rPr lang="fr-FR" sz="4000" dirty="0">
                 <a:solidFill>
                   <a:srgbClr val="FF0000"/>
                 </a:solidFill>
@@ -6327,7 +6350,7 @@
         </p:nvSpPr>
         <p:spPr>
           <a:xfrm>
-            <a:off x="457199" y="814187"/>
+            <a:off x="1090862" y="308863"/>
             <a:ext cx="8229600" cy="5336454"/>
           </a:xfrm>
         </p:spPr>
@@ -6339,7 +6362,7 @@
               <a:buNone/>
             </a:pPr>
             <a:r>
-              <a:rPr lang="en-US" dirty="0">
+              <a:rPr lang="en-US" sz="3600" dirty="0">
                 <a:latin typeface="Courier New" panose="02070309020205020404" pitchFamily="49" charset="0"/>
                 <a:cs typeface="Courier New" panose="02070309020205020404" pitchFamily="49" charset="0"/>
               </a:rPr>
@@ -6351,20 +6374,20 @@
               <a:buNone/>
             </a:pPr>
             <a:r>
-              <a:rPr lang="en-US" dirty="0">
+              <a:rPr lang="en-US" sz="3600" dirty="0">
                 <a:latin typeface="Courier New" panose="02070309020205020404" pitchFamily="49" charset="0"/>
                 <a:cs typeface="Courier New" panose="02070309020205020404" pitchFamily="49" charset="0"/>
               </a:rPr>
               <a:t>if note &gt; </a:t>
             </a:r>
             <a:r>
-              <a:rPr lang="en-US" dirty="0" smtClean="0">
+              <a:rPr lang="en-US" sz="3600" dirty="0" smtClean="0">
                 <a:latin typeface="Courier New" panose="02070309020205020404" pitchFamily="49" charset="0"/>
                 <a:cs typeface="Courier New" panose="02070309020205020404" pitchFamily="49" charset="0"/>
               </a:rPr>
               <a:t>10</a:t>
             </a:r>
-            <a:endParaRPr lang="en-US" dirty="0">
+            <a:endParaRPr lang="en-US" sz="3600" dirty="0">
               <a:latin typeface="Courier New" panose="02070309020205020404" pitchFamily="49" charset="0"/>
               <a:cs typeface="Courier New" panose="02070309020205020404" pitchFamily="49" charset="0"/>
             </a:endParaRPr>
@@ -6374,21 +6397,21 @@
               <a:buNone/>
             </a:pPr>
             <a:r>
-              <a:rPr lang="en-US" dirty="0">
+              <a:rPr lang="en-US" sz="3600" dirty="0">
                 <a:latin typeface="Courier New" panose="02070309020205020404" pitchFamily="49" charset="0"/>
                 <a:cs typeface="Courier New" panose="02070309020205020404" pitchFamily="49" charset="0"/>
               </a:rPr>
               <a:t>    print '</a:t>
             </a:r>
             <a:r>
-              <a:rPr lang="en-US" dirty="0" err="1">
+              <a:rPr lang="en-US" sz="3600" dirty="0" err="1">
                 <a:latin typeface="Courier New" panose="02070309020205020404" pitchFamily="49" charset="0"/>
                 <a:cs typeface="Courier New" panose="02070309020205020404" pitchFamily="49" charset="0"/>
               </a:rPr>
               <a:t>reçu</a:t>
             </a:r>
             <a:r>
-              <a:rPr lang="en-US" dirty="0">
+              <a:rPr lang="en-US" sz="3600" dirty="0">
                 <a:latin typeface="Courier New" panose="02070309020205020404" pitchFamily="49" charset="0"/>
                 <a:cs typeface="Courier New" panose="02070309020205020404" pitchFamily="49" charset="0"/>
               </a:rPr>
@@ -6400,7 +6423,7 @@
               <a:buNone/>
             </a:pPr>
             <a:r>
-              <a:rPr lang="en-US" dirty="0">
+              <a:rPr lang="en-US" sz="3600" dirty="0">
                 <a:latin typeface="Courier New" panose="02070309020205020404" pitchFamily="49" charset="0"/>
                 <a:cs typeface="Courier New" panose="02070309020205020404" pitchFamily="49" charset="0"/>
               </a:rPr>
@@ -6412,13 +6435,13 @@
               <a:buNone/>
             </a:pPr>
             <a:r>
-              <a:rPr lang="en-US" dirty="0" smtClean="0">
+              <a:rPr lang="en-US" sz="3600" dirty="0" smtClean="0">
                 <a:latin typeface="Courier New" panose="02070309020205020404" pitchFamily="49" charset="0"/>
                 <a:cs typeface="Courier New" panose="02070309020205020404" pitchFamily="49" charset="0"/>
               </a:rPr>
               <a:t>else</a:t>
             </a:r>
-            <a:endParaRPr lang="en-US" dirty="0">
+            <a:endParaRPr lang="en-US" sz="3600" dirty="0">
               <a:latin typeface="Courier New" panose="02070309020205020404" pitchFamily="49" charset="0"/>
               <a:cs typeface="Courier New" panose="02070309020205020404" pitchFamily="49" charset="0"/>
             </a:endParaRPr>
@@ -6428,21 +6451,21 @@
               <a:buNone/>
             </a:pPr>
             <a:r>
-              <a:rPr lang="en-US" dirty="0">
+              <a:rPr lang="en-US" sz="3600" dirty="0">
                 <a:latin typeface="Courier New" panose="02070309020205020404" pitchFamily="49" charset="0"/>
                 <a:cs typeface="Courier New" panose="02070309020205020404" pitchFamily="49" charset="0"/>
               </a:rPr>
               <a:t>    print '</a:t>
             </a:r>
             <a:r>
-              <a:rPr lang="en-US" dirty="0" err="1">
+              <a:rPr lang="en-US" sz="3600" dirty="0" err="1">
                 <a:latin typeface="Courier New" panose="02070309020205020404" pitchFamily="49" charset="0"/>
                 <a:cs typeface="Courier New" panose="02070309020205020404" pitchFamily="49" charset="0"/>
               </a:rPr>
               <a:t>recalé</a:t>
             </a:r>
             <a:r>
-              <a:rPr lang="en-US" dirty="0">
+              <a:rPr lang="en-US" sz="3600" dirty="0">
                 <a:latin typeface="Courier New" panose="02070309020205020404" pitchFamily="49" charset="0"/>
                 <a:cs typeface="Courier New" panose="02070309020205020404" pitchFamily="49" charset="0"/>
               </a:rPr>
@@ -6453,7 +6476,7 @@
             <a:pPr marL="0" indent="0">
               <a:buNone/>
             </a:pPr>
-            <a:endParaRPr lang="fr-FR" dirty="0">
+            <a:endParaRPr lang="fr-FR" sz="3600" dirty="0">
               <a:latin typeface="Courier New" panose="02070309020205020404" pitchFamily="49" charset="0"/>
               <a:cs typeface="Courier New" panose="02070309020205020404" pitchFamily="49" charset="0"/>
             </a:endParaRPr>
@@ -6509,7 +6532,7 @@
         </p:nvSpPr>
         <p:spPr>
           <a:xfrm>
-            <a:off x="457199" y="814187"/>
+            <a:off x="1066799" y="303798"/>
             <a:ext cx="8229600" cy="5336454"/>
           </a:xfrm>
         </p:spPr>
@@ -6521,7 +6544,7 @@
               <a:buNone/>
             </a:pPr>
             <a:r>
-              <a:rPr lang="en-US" dirty="0">
+              <a:rPr lang="en-US" sz="3600" dirty="0">
                 <a:latin typeface="Courier New" panose="02070309020205020404" pitchFamily="49" charset="0"/>
                 <a:cs typeface="Courier New" panose="02070309020205020404" pitchFamily="49" charset="0"/>
               </a:rPr>
@@ -6533,14 +6556,14 @@
               <a:buNone/>
             </a:pPr>
             <a:r>
-              <a:rPr lang="en-US" dirty="0">
+              <a:rPr lang="en-US" sz="3600" dirty="0">
                 <a:latin typeface="Courier New" panose="02070309020205020404" pitchFamily="49" charset="0"/>
                 <a:cs typeface="Courier New" panose="02070309020205020404" pitchFamily="49" charset="0"/>
               </a:rPr>
               <a:t>if note &gt; 10</a:t>
             </a:r>
             <a:r>
-              <a:rPr lang="en-US" dirty="0">
+              <a:rPr lang="en-US" sz="3600" dirty="0">
                 <a:solidFill>
                   <a:srgbClr val="FF0000"/>
                 </a:solidFill>
@@ -6555,21 +6578,21 @@
               <a:buNone/>
             </a:pPr>
             <a:r>
-              <a:rPr lang="en-US" dirty="0">
+              <a:rPr lang="en-US" sz="3600" dirty="0">
                 <a:latin typeface="Courier New" panose="02070309020205020404" pitchFamily="49" charset="0"/>
                 <a:cs typeface="Courier New" panose="02070309020205020404" pitchFamily="49" charset="0"/>
               </a:rPr>
               <a:t>    print '</a:t>
             </a:r>
             <a:r>
-              <a:rPr lang="en-US" dirty="0" err="1">
+              <a:rPr lang="en-US" sz="3600" dirty="0" err="1">
                 <a:latin typeface="Courier New" panose="02070309020205020404" pitchFamily="49" charset="0"/>
                 <a:cs typeface="Courier New" panose="02070309020205020404" pitchFamily="49" charset="0"/>
               </a:rPr>
               <a:t>reçu</a:t>
             </a:r>
             <a:r>
-              <a:rPr lang="en-US" dirty="0">
+              <a:rPr lang="en-US" sz="3600" dirty="0">
                 <a:latin typeface="Courier New" panose="02070309020205020404" pitchFamily="49" charset="0"/>
                 <a:cs typeface="Courier New" panose="02070309020205020404" pitchFamily="49" charset="0"/>
               </a:rPr>
@@ -6581,7 +6604,7 @@
               <a:buNone/>
             </a:pPr>
             <a:r>
-              <a:rPr lang="en-US" dirty="0">
+              <a:rPr lang="en-US" sz="3600" dirty="0">
                 <a:latin typeface="Courier New" panose="02070309020205020404" pitchFamily="49" charset="0"/>
                 <a:cs typeface="Courier New" panose="02070309020205020404" pitchFamily="49" charset="0"/>
               </a:rPr>
@@ -6593,14 +6616,14 @@
               <a:buNone/>
             </a:pPr>
             <a:r>
-              <a:rPr lang="en-US" dirty="0">
+              <a:rPr lang="en-US" sz="3600" dirty="0">
                 <a:latin typeface="Courier New" panose="02070309020205020404" pitchFamily="49" charset="0"/>
                 <a:cs typeface="Courier New" panose="02070309020205020404" pitchFamily="49" charset="0"/>
               </a:rPr>
               <a:t>else</a:t>
             </a:r>
             <a:r>
-              <a:rPr lang="en-US" dirty="0">
+              <a:rPr lang="en-US" sz="3600" dirty="0">
                 <a:solidFill>
                   <a:srgbClr val="FF0000"/>
                 </a:solidFill>
@@ -6615,21 +6638,21 @@
               <a:buNone/>
             </a:pPr>
             <a:r>
-              <a:rPr lang="en-US" dirty="0">
+              <a:rPr lang="en-US" sz="3600" dirty="0">
                 <a:latin typeface="Courier New" panose="02070309020205020404" pitchFamily="49" charset="0"/>
                 <a:cs typeface="Courier New" panose="02070309020205020404" pitchFamily="49" charset="0"/>
               </a:rPr>
               <a:t>    print '</a:t>
             </a:r>
             <a:r>
-              <a:rPr lang="en-US" dirty="0" err="1">
+              <a:rPr lang="en-US" sz="3600" dirty="0" err="1">
                 <a:latin typeface="Courier New" panose="02070309020205020404" pitchFamily="49" charset="0"/>
                 <a:cs typeface="Courier New" panose="02070309020205020404" pitchFamily="49" charset="0"/>
               </a:rPr>
               <a:t>recalé</a:t>
             </a:r>
             <a:r>
-              <a:rPr lang="en-US" dirty="0">
+              <a:rPr lang="en-US" sz="3600" dirty="0">
                 <a:latin typeface="Courier New" panose="02070309020205020404" pitchFamily="49" charset="0"/>
                 <a:cs typeface="Courier New" panose="02070309020205020404" pitchFamily="49" charset="0"/>
               </a:rPr>
@@ -6640,7 +6663,7 @@
             <a:pPr marL="0" indent="0">
               <a:buNone/>
             </a:pPr>
-            <a:endParaRPr lang="fr-FR" dirty="0">
+            <a:endParaRPr lang="fr-FR" sz="3600" dirty="0">
               <a:latin typeface="Courier New" panose="02070309020205020404" pitchFamily="49" charset="0"/>
               <a:cs typeface="Courier New" panose="02070309020205020404" pitchFamily="49" charset="0"/>
             </a:endParaRPr>
@@ -6655,10 +6678,10 @@
         </p:nvGrpSpPr>
         <p:grpSpPr>
           <a:xfrm>
-            <a:off x="457199" y="2241552"/>
-            <a:ext cx="1059874" cy="584775"/>
-            <a:chOff x="457199" y="2241552"/>
-            <a:chExt cx="1059874" cy="584775"/>
+            <a:off x="1234259" y="1747434"/>
+            <a:ext cx="1653064" cy="921412"/>
+            <a:chOff x="866332" y="2074676"/>
+            <a:chExt cx="418965" cy="921412"/>
           </a:xfrm>
         </p:grpSpPr>
         <p:sp>
@@ -6669,8 +6692,8 @@
           </p:nvSpPr>
           <p:spPr bwMode="auto">
             <a:xfrm>
-              <a:off x="457199" y="2244436"/>
-              <a:ext cx="1059874" cy="581891"/>
+              <a:off x="866332" y="2074676"/>
+              <a:ext cx="241608" cy="921412"/>
             </a:xfrm>
             <a:prstGeom prst="rightArrow">
               <a:avLst/>
@@ -6696,32 +6719,12 @@
             </a:bodyPr>
             <a:lstStyle/>
             <a:p>
-              <a:pPr marL="0" marR="0" indent="0" algn="ctr" defTabSz="914400" rtl="0" eaLnBrk="1" fontAlgn="base" latinLnBrk="0" hangingPunct="1">
-                <a:lnSpc>
-                  <a:spcPct val="100000"/>
-                </a:lnSpc>
+              <a:pPr algn="ctr">
                 <a:spcBef>
                   <a:spcPct val="50000"/>
                 </a:spcBef>
-                <a:spcAft>
-                  <a:spcPct val="0"/>
-                </a:spcAft>
-                <a:buClrTx/>
-                <a:buSzTx/>
-                <a:buFontTx/>
-                <a:buNone/>
-                <a:tabLst/>
               </a:pPr>
-              <a:endParaRPr kumimoji="0" lang="fr-FR" sz="2400" b="0" i="0" u="none" strike="noStrike" cap="none" normalizeH="0" baseline="0" smtClean="0">
-                <a:ln>
-                  <a:noFill/>
-                </a:ln>
-                <a:solidFill>
-                  <a:schemeClr val="tx1"/>
-                </a:solidFill>
-                <a:effectLst/>
-                <a:latin typeface="Comic Sans MS" pitchFamily="66" charset="0"/>
-              </a:endParaRPr>
+              <a:endParaRPr lang="fr-FR"/>
             </a:p>
           </p:txBody>
         </p:sp>
@@ -6733,7 +6736,7 @@
           </p:nvSpPr>
           <p:spPr>
             <a:xfrm>
-              <a:off x="685800" y="2241552"/>
+              <a:off x="890442" y="2255135"/>
               <a:ext cx="394855" cy="584775"/>
             </a:xfrm>
             <a:prstGeom prst="rect">
@@ -6748,7 +6751,7 @@
             <a:lstStyle/>
             <a:p>
               <a:r>
-                <a:rPr lang="fr-FR" sz="3200" dirty="0" smtClean="0">
+                <a:rPr lang="fr-FR" sz="3200" dirty="0">
                   <a:solidFill>
                     <a:srgbClr val="FF0000"/>
                   </a:solidFill>
@@ -6774,10 +6777,10 @@
         </p:nvGrpSpPr>
         <p:grpSpPr>
           <a:xfrm>
-            <a:off x="457199" y="3731263"/>
-            <a:ext cx="1059874" cy="584775"/>
-            <a:chOff x="457199" y="2241552"/>
-            <a:chExt cx="1059874" cy="584775"/>
+            <a:off x="1234259" y="3463490"/>
+            <a:ext cx="1653064" cy="921412"/>
+            <a:chOff x="866332" y="2074676"/>
+            <a:chExt cx="409408" cy="921412"/>
           </a:xfrm>
         </p:grpSpPr>
         <p:sp>
@@ -6788,8 +6791,8 @@
           </p:nvSpPr>
           <p:spPr bwMode="auto">
             <a:xfrm>
-              <a:off x="457199" y="2244436"/>
-              <a:ext cx="1059874" cy="581891"/>
+              <a:off x="866332" y="2074676"/>
+              <a:ext cx="241608" cy="921412"/>
             </a:xfrm>
             <a:prstGeom prst="rightArrow">
               <a:avLst/>
@@ -6815,32 +6818,12 @@
             </a:bodyPr>
             <a:lstStyle/>
             <a:p>
-              <a:pPr marL="0" marR="0" indent="0" algn="ctr" defTabSz="914400" rtl="0" eaLnBrk="1" fontAlgn="base" latinLnBrk="0" hangingPunct="1">
-                <a:lnSpc>
-                  <a:spcPct val="100000"/>
-                </a:lnSpc>
+              <a:pPr algn="ctr">
                 <a:spcBef>
                   <a:spcPct val="50000"/>
                 </a:spcBef>
-                <a:spcAft>
-                  <a:spcPct val="0"/>
-                </a:spcAft>
-                <a:buClrTx/>
-                <a:buSzTx/>
-                <a:buFontTx/>
-                <a:buNone/>
-                <a:tabLst/>
               </a:pPr>
-              <a:endParaRPr kumimoji="0" lang="fr-FR" sz="2400" b="0" i="0" u="none" strike="noStrike" cap="none" normalizeH="0" baseline="0" smtClean="0">
-                <a:ln>
-                  <a:noFill/>
-                </a:ln>
-                <a:solidFill>
-                  <a:schemeClr val="tx1"/>
-                </a:solidFill>
-                <a:effectLst/>
-                <a:latin typeface="Comic Sans MS" pitchFamily="66" charset="0"/>
-              </a:endParaRPr>
+              <a:endParaRPr lang="fr-FR"/>
             </a:p>
           </p:txBody>
         </p:sp>
@@ -6852,7 +6835,7 @@
           </p:nvSpPr>
           <p:spPr>
             <a:xfrm>
-              <a:off x="685800" y="2241552"/>
+              <a:off x="880885" y="2213810"/>
               <a:ext cx="394855" cy="584775"/>
             </a:xfrm>
             <a:prstGeom prst="rect">
@@ -6867,7 +6850,7 @@
             <a:lstStyle/>
             <a:p>
               <a:r>
-                <a:rPr lang="fr-FR" sz="3200" dirty="0" smtClean="0">
+                <a:rPr lang="fr-FR" sz="3200" dirty="0">
                   <a:solidFill>
                     <a:srgbClr val="FF0000"/>
                   </a:solidFill>
